--- a/apresentacao.pptx
+++ b/apresentacao.pptx
@@ -2038,7 +2038,7 @@
             </a:pPr>
             <a:r>
               <a:rPr sz="2880"/>
-              <a:t>A reforma tributária pode simplificar o sistema, promover justiça fiscal, aumentar a competitividade e fomentar o crescimento econômico equilibrado.</a:t>
+              <a:t>A reforma tributária tem o potencial de gerar um sistema mais justo, eficiente e adequado à realidade econômica, impulsionando o desenvolvimento econômico e social.</a:t>
             </a:r>
           </a:p>
           <a:p>
@@ -2060,7 +2060,7 @@
             </a:pPr>
             <a:r>
               <a:rPr sz="2880"/>
-              <a:t>O sucesso da reforma depende do diálogo contínuo entre o governo, a sociedade civil e o setor empresarial para adaptação e aceitação das mudanças propostas.</a:t>
+              <a:t>A participação social e o debate público são fundamentais para construir um consenso sobre o futuro do sistema tributário brasileiro e suas prioridades.</a:t>
             </a:r>
           </a:p>
         </p:txBody>
@@ -2133,6 +2133,17 @@
               <a:t>Espaço para debate e esclarecimento de dúvidas do público.</a:t>
             </a:r>
           </a:p>
+          <a:p>
+            <a:pPr algn="l">
+              <a:spcAft>
+                <a:spcPts val="360"/>
+              </a:spcAft>
+            </a:pPr>
+            <a:r>
+              <a:rPr sz="2880"/>
+              <a:t>Encorajamos a participação ativa do público para esclarecer dúvidas e aprofundar a compreensão dos principais aspectos da reforma tributária proposta.</a:t>
+            </a:r>
+          </a:p>
         </p:txBody>
       </p:sp>
     </p:spTree>
@@ -2211,7 +2222,7 @@
             </a:pPr>
             <a:r>
               <a:rPr sz="2880"/>
-              <a:t>A reforma tributária busca reestruturar o sistema de impostos de um país com o objetivo de torná-lo mais eficiente, justo e transparente. O intuito é simplificar a arrecadação e o cumprimento das obrigações fiscais, além de distribuir melhor a carga tributária entre os cidadãos.</a:t>
+              <a:t>A reforma tributária busca reestruturar o sistema de impostos de um país com o objetivo de torná-lo mais eficiente, justo e simples. Além disso, pretende-se adaptar a tributação às novas realidades econômicas e sociais.</a:t>
             </a:r>
           </a:p>
           <a:p>
@@ -2233,7 +2244,7 @@
             </a:pPr>
             <a:r>
               <a:rPr sz="2880"/>
-              <a:t>Uma reforma tributária eficaz é crucial para o desenvolvimento econômico, pois pode estimular o investimento e a produtividade. Socialmente, ela pode reduzir desigualdades ao garantir que os tributos sejam cobrados de forma mais equitativa, beneficiando assim a sociedade como um todo.</a:t>
+              <a:t>Uma reforma bem-sucedida pode impulsionar o crescimento econômico, reduzir desigualdades sociais e promover a justiça fiscal, assegurando que todos contribuam de forma equitativa para o bem-estar da sociedade.</a:t>
             </a:r>
           </a:p>
         </p:txBody>
@@ -2314,7 +2325,7 @@
             </a:pPr>
             <a:r>
               <a:rPr sz="2880"/>
-              <a:t>Atualmente, o sistema tributário brasileiro é complexo, com múltiplos impostos, contribuições e taxas arrecadados nas esferas federal, estadual e municipal. Isso gera custos altos para as empresas e dificuldades de cumprimento para os contribuintes.</a:t>
+              <a:t>No Brasil, o sistema tributário é altamente complexo, com uma multiplicidade de tributos municipais, estaduais e federais, tornando a conformidade um desafio para os contribuintes.</a:t>
             </a:r>
           </a:p>
           <a:p>
@@ -2336,7 +2347,7 @@
             </a:pPr>
             <a:r>
               <a:rPr sz="2880"/>
-              <a:t>Entre os desafios estão a alta carga tributária, a complexidade no cálculo e no pagamento dos tributos, além da desigualdade na distribuição da carga entre os contribuintes, o que prejudica a competitividade e a justiça social.</a:t>
+              <a:t>Entre os desafios estão a alta burocracia, a cumulatividade de tributos, a desigualdade na carga tributária sobre diferentes setores e faixas de renda, além de uma distribuição de arrecadação concentrada na União.</a:t>
             </a:r>
           </a:p>
         </p:txBody>
@@ -2417,7 +2428,7 @@
             </a:pPr>
             <a:r>
               <a:rPr sz="2880"/>
-              <a:t>A simplificação visa reduzir o número de impostos, uniformizar alíquotas e facilitar o cumprimento fiscal tanto para empresas quanto para cidadãos. Isso pode reduzir erros e custos administrativos.</a:t>
+              <a:t>A simplificação visa reduzir a complexidade do sistema, facilitando o cumprimento das obrigações fiscais por parte das empresas e cidadãos, e melhorando a eficiência da arrecadação.</a:t>
             </a:r>
           </a:p>
           <a:p>
@@ -2439,7 +2450,7 @@
             </a:pPr>
             <a:r>
               <a:rPr sz="2880"/>
-              <a:t>O IVA unificaria vários tributos em um só, incidindo sobre o valor agregado em cada etapa de produção e comércio, promovendo eficiência e simplificação no sistema tributário.</a:t>
+              <a:t>Propostas como a criação de um IVA visam unificar diversos tributos em um único imposto sobre consumo, garantindo maior transparência e equidade na tributação do consumo.</a:t>
             </a:r>
           </a:p>
         </p:txBody>
@@ -2520,7 +2531,7 @@
             </a:pPr>
             <a:r>
               <a:rPr sz="2880"/>
-              <a:t>A reforma pode inicialmente impactar a arrecadação, mas ao promover crescimento econômico e formalização, a base de impostos pode crescer, aumentando a receita a longo prazo.</a:t>
+              <a:t>A reforma pode levar a um aumento da base de arrecadação, reduzindo a evasão fiscal, e uma potencial redistribuição do peso das contribuições.</a:t>
             </a:r>
           </a:p>
           <a:p>
@@ -2542,7 +2553,7 @@
             </a:pPr>
             <a:r>
               <a:rPr sz="2880"/>
-              <a:t>Um sistema tributário mais simples e equitativo pode reduzir custos operacionais para as empresas, tornando-as mais competitivas no mercado nacional e internacional.</a:t>
+              <a:t>A simplificação e a eliminação de distorções tributárias podem tornar as empresas brasileiras mais competitivas, tanto no mercado interno quanto no mercado internacional.</a:t>
             </a:r>
           </a:p>
         </p:txBody>
@@ -2623,7 +2634,7 @@
             </a:pPr>
             <a:r>
               <a:rPr sz="2880"/>
-              <a:t>A reforma pode garantir uma distribuição mais justa dos tributos, aliviando a carga sobre os mais pobres e garantindo que quem ganha mais, pague mais, promovendo justiça social.</a:t>
+              <a:t>Uma reforma bem planejada pode aliviar a carga tributária sobre as camadas mais pobres, ao reduzir tributos sobre itens essenciais e aumentar a progressividade do sistema.</a:t>
             </a:r>
           </a:p>
           <a:p>
@@ -2645,7 +2656,7 @@
             </a:pPr>
             <a:r>
               <a:rPr sz="2880"/>
-              <a:t>Ao adotar alíquotas progressivas, onde os que possuem maior capacidade contributiva pagam mais, a reforma pode ajudar a diminuir as desigualdades sociais.</a:t>
+              <a:t>Implementar alíquotas diferenciadas e progressivas pode ajudar a diminuir as desigualdades sociais, ao garantir que aqueles com maior capacidade contributiva paguem proporcionalmente mais.</a:t>
             </a:r>
           </a:p>
         </p:txBody>
@@ -2726,7 +2737,7 @@
             </a:pPr>
             <a:r>
               <a:rPr sz="2880"/>
-              <a:t>Reformas tributárias exigem mudanças legislativas significativas e adaptações por parte dos contribuintes e das administrações fiscais para se adaptarem às novas regras.</a:t>
+              <a:t>A reforma demandará alterações significativas na legislação tributária existente, exigindo a harmonização entre diferentes normas e clarificação de competências.</a:t>
             </a:r>
           </a:p>
           <a:p>
@@ -2748,7 +2759,7 @@
             </a:pPr>
             <a:r>
               <a:rPr sz="2880"/>
-              <a:t>Os desafios incluem a complexidade de harmonizar as novas regras com a legislação existente e a resistência de partes que podem ser adversamente afetadas pelas mudanças.</a:t>
+              <a:t>Possíveis conflitos federativos e a necessidade de se adequar às normas constitucionais podem ser desafios a serem enfrentados durante o processo de implementação.</a:t>
             </a:r>
           </a:p>
         </p:txBody>
@@ -2829,7 +2840,7 @@
             </a:pPr>
             <a:r>
               <a:rPr sz="2880"/>
-              <a:t>Alterações no sistema tributário enfrentam resistência de grupos que se beneficiam das regras atuais ou que temem perda de arrecadação ou de incentivos fiscais.</a:t>
+              <a:t>Setores que se beneficiam do sistema atual podem oferecer resistência, além das dificuldades em se obter consenso político em um cenário de interesses divergentes.</a:t>
             </a:r>
           </a:p>
           <a:p>
@@ -2851,7 +2862,7 @@
             </a:pPr>
             <a:r>
               <a:rPr sz="2880"/>
-              <a:t>A implementação eficaz demanda a coordenação entre diferentes níveis de governo, que precisam acordar sobre a divisão das receitas e as responsabilidades fiscais.</a:t>
+              <a:t>Acordos entre União, estados e municípios serão cruciais para o sucesso da reforma, de modo a equilibrar necessidades e responsabilidades de arrecadação.</a:t>
             </a:r>
           </a:p>
         </p:txBody>
@@ -2932,7 +2943,7 @@
             </a:pPr>
             <a:r>
               <a:rPr sz="2880"/>
-              <a:t>Países como Canadá e Nova Zelândia modernizaram seus sistemas tributários, simplificando impostos e promovendo crescimento econômico sustentável.</a:t>
+              <a:t>Países como Alemanha e Canadá já implementaram reformas que simplificaram tributos e promoveram crescimento econômico, servindo de exemplo.</a:t>
             </a:r>
           </a:p>
           <a:p>
@@ -2954,7 +2965,7 @@
             </a:pPr>
             <a:r>
               <a:rPr sz="2880"/>
-              <a:t>A importância de uma comunicação clara e de um planejamento detalhado foi crucial em reformas de sucesso, lições que podem ser valiosas para o Brasil ao considerar suas próprias reformas.</a:t>
+              <a:t>Experiências internacionais destacam a importância de transparência, diálogo social e etapas de transição para uma implementação bem-sucedida.</a:t>
             </a:r>
           </a:p>
         </p:txBody>
